--- a/gpt_grid/presentation/Chat-GPT for data analysis.pptx
+++ b/gpt_grid/presentation/Chat-GPT for data analysis.pptx
@@ -1917,6 +1917,1005 @@
 </c:chartSpace>
 </file>
 
+<file path=ppt/charts/chart5.xml><?xml version="1.0" encoding="utf-8"?>
+<c:chartSpace xmlns:c="http://schemas.openxmlformats.org/drawingml/2006/chart" xmlns:a="http://schemas.openxmlformats.org/drawingml/2006/main" xmlns:r="http://schemas.openxmlformats.org/officeDocument/2006/relationships" xmlns:c16r2="http://schemas.microsoft.com/office/drawing/2015/06/chart">
+  <c:date1904 val="0"/>
+  <c:lang val="en-US"/>
+  <c:roundedCorners val="0"/>
+  <mc:AlternateContent xmlns:mc="http://schemas.openxmlformats.org/markup-compatibility/2006">
+    <mc:Choice xmlns:c14="http://schemas.microsoft.com/office/drawing/2007/8/2/chart" Requires="c14">
+      <c14:style val="102"/>
+    </mc:Choice>
+    <mc:Fallback>
+      <c:style val="2"/>
+    </mc:Fallback>
+  </mc:AlternateContent>
+  <c:chart>
+    <c:title>
+      <c:tx>
+        <c:rich>
+          <a:bodyPr rot="0" spcFirstLastPara="1" vertOverflow="ellipsis" vert="horz" wrap="square" anchor="ctr" anchorCtr="1"/>
+          <a:lstStyle/>
+          <a:p>
+            <a:pPr>
+              <a:defRPr sz="1400" b="1" i="0" u="none" strike="noStrike" kern="1200" cap="none" baseline="0">
+                <a:solidFill>
+                  <a:schemeClr val="lt1">
+                    <a:lumMod val="85000"/>
+                  </a:schemeClr>
+                </a:solidFill>
+                <a:latin typeface="+mn-lt"/>
+                <a:ea typeface="+mn-ea"/>
+                <a:cs typeface="+mn-cs"/>
+              </a:defRPr>
+            </a:pPr>
+            <a:r>
+              <a:rPr lang="en-GB"/>
+              <a:t>Batch Calculation Time</a:t>
+            </a:r>
+          </a:p>
+        </c:rich>
+      </c:tx>
+      <c:overlay val="0"/>
+      <c:spPr>
+        <a:noFill/>
+        <a:ln>
+          <a:noFill/>
+        </a:ln>
+        <a:effectLst/>
+      </c:spPr>
+      <c:txPr>
+        <a:bodyPr rot="0" spcFirstLastPara="1" vertOverflow="ellipsis" vert="horz" wrap="square" anchor="ctr" anchorCtr="1"/>
+        <a:lstStyle/>
+        <a:p>
+          <a:pPr>
+            <a:defRPr sz="1400" b="1" i="0" u="none" strike="noStrike" kern="1200" cap="none" baseline="0">
+              <a:solidFill>
+                <a:schemeClr val="lt1">
+                  <a:lumMod val="85000"/>
+                </a:schemeClr>
+              </a:solidFill>
+              <a:latin typeface="+mn-lt"/>
+              <a:ea typeface="+mn-ea"/>
+              <a:cs typeface="+mn-cs"/>
+            </a:defRPr>
+          </a:pPr>
+          <a:endParaRPr lang="en-US"/>
+        </a:p>
+      </c:txPr>
+    </c:title>
+    <c:autoTitleDeleted val="0"/>
+    <c:plotArea>
+      <c:layout/>
+      <c:lineChart>
+        <c:grouping val="standard"/>
+        <c:varyColors val="0"/>
+        <c:ser>
+          <c:idx val="1"/>
+          <c:order val="0"/>
+          <c:tx>
+            <c:strRef>
+              <c:f>batch_times!$C$1</c:f>
+              <c:strCache>
+                <c:ptCount val="1"/>
+                <c:pt idx="0">
+                  <c:v>Prompt 1</c:v>
+                </c:pt>
+              </c:strCache>
+            </c:strRef>
+          </c:tx>
+          <c:spPr>
+            <a:ln w="22225" cap="rnd">
+              <a:solidFill>
+                <a:schemeClr val="accent2"/>
+              </a:solidFill>
+            </a:ln>
+            <a:effectLst>
+              <a:glow rad="139700">
+                <a:schemeClr val="accent2">
+                  <a:satMod val="175000"/>
+                  <a:alpha val="14000"/>
+                </a:schemeClr>
+              </a:glow>
+            </a:effectLst>
+          </c:spPr>
+          <c:marker>
+            <c:symbol val="none"/>
+          </c:marker>
+          <c:val>
+            <c:numRef>
+              <c:f>batch_times!$C$2:$C$65</c:f>
+              <c:numCache>
+                <c:formatCode>General</c:formatCode>
+                <c:ptCount val="64"/>
+                <c:pt idx="0">
+                  <c:v>11756.551305770099</c:v>
+                </c:pt>
+                <c:pt idx="1">
+                  <c:v>11799.4006483834</c:v>
+                </c:pt>
+                <c:pt idx="2">
+                  <c:v>11784.5290927695</c:v>
+                </c:pt>
+                <c:pt idx="3">
+                  <c:v>11799.9332520437</c:v>
+                </c:pt>
+                <c:pt idx="4">
+                  <c:v>11727.616888332999</c:v>
+                </c:pt>
+                <c:pt idx="5">
+                  <c:v>11693.574206515201</c:v>
+                </c:pt>
+                <c:pt idx="6">
+                  <c:v>11715.8304459961</c:v>
+                </c:pt>
+                <c:pt idx="7">
+                  <c:v>11715.781999184101</c:v>
+                </c:pt>
+                <c:pt idx="8">
+                  <c:v>11741.8868218236</c:v>
+                </c:pt>
+                <c:pt idx="9">
+                  <c:v>11741.7322650642</c:v>
+                </c:pt>
+                <c:pt idx="10">
+                  <c:v>11707.144497366</c:v>
+                </c:pt>
+                <c:pt idx="11">
+                  <c:v>11782.3620548736</c:v>
+                </c:pt>
+                <c:pt idx="12">
+                  <c:v>11737.5711101457</c:v>
+                </c:pt>
+                <c:pt idx="13">
+                  <c:v>11739.559550505899</c:v>
+                </c:pt>
+                <c:pt idx="14">
+                  <c:v>11712.0392118113</c:v>
+                </c:pt>
+                <c:pt idx="15">
+                  <c:v>11692.5843663792</c:v>
+                </c:pt>
+                <c:pt idx="16">
+                  <c:v>11652.8419065526</c:v>
+                </c:pt>
+                <c:pt idx="17">
+                  <c:v>11696.298546828601</c:v>
+                </c:pt>
+                <c:pt idx="18">
+                  <c:v>11770.860596221</c:v>
+                </c:pt>
+                <c:pt idx="19">
+                  <c:v>11722.7793280691</c:v>
+                </c:pt>
+                <c:pt idx="20">
+                  <c:v>10938.909859691101</c:v>
+                </c:pt>
+                <c:pt idx="21">
+                  <c:v>10974.0745109253</c:v>
+                </c:pt>
+                <c:pt idx="22">
+                  <c:v>10959.486873161901</c:v>
+                </c:pt>
+                <c:pt idx="23">
+                  <c:v>10983.9931193218</c:v>
+                </c:pt>
+                <c:pt idx="24">
+                  <c:v>10919.4521214494</c:v>
+                </c:pt>
+                <c:pt idx="25">
+                  <c:v>10967.718433517301</c:v>
+                </c:pt>
+                <c:pt idx="26">
+                  <c:v>10978.335384722601</c:v>
+                </c:pt>
+                <c:pt idx="27">
+                  <c:v>10908.5301515344</c:v>
+                </c:pt>
+                <c:pt idx="28">
+                  <c:v>10935.3444208287</c:v>
+                </c:pt>
+                <c:pt idx="29">
+                  <c:v>10942.5077247275</c:v>
+                </c:pt>
+                <c:pt idx="30">
+                  <c:v>10866.3921370805</c:v>
+                </c:pt>
+                <c:pt idx="31">
+                  <c:v>11007.032941884499</c:v>
+                </c:pt>
+                <c:pt idx="32">
+                  <c:v>10961.1446893148</c:v>
+                </c:pt>
+                <c:pt idx="33">
+                  <c:v>10924.179185446499</c:v>
+                </c:pt>
+                <c:pt idx="34">
+                  <c:v>10921.7820608599</c:v>
+                </c:pt>
+                <c:pt idx="35">
+                  <c:v>10970.754524297099</c:v>
+                </c:pt>
+                <c:pt idx="36">
+                  <c:v>10947.0969839999</c:v>
+                </c:pt>
+                <c:pt idx="37">
+                  <c:v>10963.2607452682</c:v>
+                </c:pt>
+                <c:pt idx="38">
+                  <c:v>10954.881864545099</c:v>
+                </c:pt>
+                <c:pt idx="39">
+                  <c:v>10983.873630027299</c:v>
+                </c:pt>
+                <c:pt idx="40">
+                  <c:v>10907.8280796938</c:v>
+                </c:pt>
+                <c:pt idx="41">
+                  <c:v>10931.527147801</c:v>
+                </c:pt>
+                <c:pt idx="42">
+                  <c:v>10926.2210817918</c:v>
+                </c:pt>
+                <c:pt idx="43">
+                  <c:v>10855.7778664242</c:v>
+                </c:pt>
+                <c:pt idx="44">
+                  <c:v>10914.3151244652</c:v>
+                </c:pt>
+                <c:pt idx="45">
+                  <c:v>10928.7316071975</c:v>
+                </c:pt>
+                <c:pt idx="46">
+                  <c:v>10919.634479836899</c:v>
+                </c:pt>
+                <c:pt idx="47">
+                  <c:v>10919.104772696801</c:v>
+                </c:pt>
+                <c:pt idx="48">
+                  <c:v>10971.4401825804</c:v>
+                </c:pt>
+                <c:pt idx="49">
+                  <c:v>10943.878287113201</c:v>
+                </c:pt>
+                <c:pt idx="50">
+                  <c:v>10956.799406566901</c:v>
+                </c:pt>
+                <c:pt idx="51">
+                  <c:v>10897.1519489686</c:v>
+                </c:pt>
+                <c:pt idx="52">
+                  <c:v>10989.4172363708</c:v>
+                </c:pt>
+                <c:pt idx="53">
+                  <c:v>10886.955095637901</c:v>
+                </c:pt>
+                <c:pt idx="54">
+                  <c:v>10952.9204523971</c:v>
+                </c:pt>
+                <c:pt idx="55">
+                  <c:v>10965.521821146</c:v>
+                </c:pt>
+                <c:pt idx="56">
+                  <c:v>10916.957508560999</c:v>
+                </c:pt>
+                <c:pt idx="57">
+                  <c:v>10959.1468406975</c:v>
+                </c:pt>
+                <c:pt idx="58">
+                  <c:v>10716.057868218701</c:v>
+                </c:pt>
+                <c:pt idx="59">
+                  <c:v>10596.9789307105</c:v>
+                </c:pt>
+                <c:pt idx="60">
+                  <c:v>10628.590936299999</c:v>
+                </c:pt>
+                <c:pt idx="61">
+                  <c:v>10576.1807027783</c:v>
+                </c:pt>
+                <c:pt idx="62">
+                  <c:v>10623.100711194</c:v>
+                </c:pt>
+                <c:pt idx="63">
+                  <c:v>10563.445706849499</c:v>
+                </c:pt>
+              </c:numCache>
+            </c:numRef>
+          </c:val>
+          <c:smooth val="0"/>
+          <c:extLst>
+            <c:ext xmlns:c16="http://schemas.microsoft.com/office/drawing/2014/chart" uri="{C3380CC4-5D6E-409C-BE32-E72D297353CC}">
+              <c16:uniqueId val="{00000000-DBF5-45B7-BB45-E2999B9DFD12}"/>
+            </c:ext>
+          </c:extLst>
+        </c:ser>
+        <c:ser>
+          <c:idx val="2"/>
+          <c:order val="1"/>
+          <c:tx>
+            <c:strRef>
+              <c:f>batch_times!$D$1</c:f>
+              <c:strCache>
+                <c:ptCount val="1"/>
+                <c:pt idx="0">
+                  <c:v>Prompt 2</c:v>
+                </c:pt>
+              </c:strCache>
+            </c:strRef>
+          </c:tx>
+          <c:spPr>
+            <a:ln w="22225" cap="rnd">
+              <a:solidFill>
+                <a:schemeClr val="accent3"/>
+              </a:solidFill>
+            </a:ln>
+            <a:effectLst>
+              <a:glow rad="139700">
+                <a:schemeClr val="accent3">
+                  <a:satMod val="175000"/>
+                  <a:alpha val="14000"/>
+                </a:schemeClr>
+              </a:glow>
+            </a:effectLst>
+          </c:spPr>
+          <c:marker>
+            <c:symbol val="none"/>
+          </c:marker>
+          <c:val>
+            <c:numRef>
+              <c:f>batch_times!$D$2:$D$65</c:f>
+              <c:numCache>
+                <c:formatCode>General</c:formatCode>
+                <c:ptCount val="64"/>
+                <c:pt idx="0">
+                  <c:v>11736.7260737219</c:v>
+                </c:pt>
+                <c:pt idx="1">
+                  <c:v>11764.7928286571</c:v>
+                </c:pt>
+                <c:pt idx="2">
+                  <c:v>11700.369849591099</c:v>
+                </c:pt>
+                <c:pt idx="3">
+                  <c:v>11741.879333614401</c:v>
+                </c:pt>
+                <c:pt idx="4">
+                  <c:v>11688.6697923589</c:v>
+                </c:pt>
+                <c:pt idx="5">
+                  <c:v>11684.0338221893</c:v>
+                </c:pt>
+                <c:pt idx="6">
+                  <c:v>11745.8110139153</c:v>
+                </c:pt>
+                <c:pt idx="7">
+                  <c:v>11706.157648755099</c:v>
+                </c:pt>
+                <c:pt idx="8">
+                  <c:v>11704.0716774804</c:v>
+                </c:pt>
+                <c:pt idx="9">
+                  <c:v>11718.887354456399</c:v>
+                </c:pt>
+                <c:pt idx="10">
+                  <c:v>11720.6497159837</c:v>
+                </c:pt>
+                <c:pt idx="11">
+                  <c:v>11763.2278558376</c:v>
+                </c:pt>
+                <c:pt idx="12">
+                  <c:v>11721.2102105636</c:v>
+                </c:pt>
+                <c:pt idx="13">
+                  <c:v>11708.336732187399</c:v>
+                </c:pt>
+                <c:pt idx="14">
+                  <c:v>11711.035887157401</c:v>
+                </c:pt>
+                <c:pt idx="15">
+                  <c:v>11738.181007093201</c:v>
+                </c:pt>
+                <c:pt idx="16">
+                  <c:v>11696.482953046399</c:v>
+                </c:pt>
+                <c:pt idx="17">
+                  <c:v>11633.19348097</c:v>
+                </c:pt>
+                <c:pt idx="18">
+                  <c:v>11741.8062489599</c:v>
+                </c:pt>
+                <c:pt idx="19">
+                  <c:v>11659.731968922601</c:v>
+                </c:pt>
+                <c:pt idx="20">
+                  <c:v>10906.162452263199</c:v>
+                </c:pt>
+                <c:pt idx="21">
+                  <c:v>11016.8311149642</c:v>
+                </c:pt>
+                <c:pt idx="22">
+                  <c:v>10938.269642695999</c:v>
+                </c:pt>
+                <c:pt idx="23">
+                  <c:v>10985.6825012106</c:v>
+                </c:pt>
+                <c:pt idx="24">
+                  <c:v>11010.0946385729</c:v>
+                </c:pt>
+                <c:pt idx="25">
+                  <c:v>10931.619872138999</c:v>
+                </c:pt>
+                <c:pt idx="26">
+                  <c:v>10913.931560451399</c:v>
+                </c:pt>
+                <c:pt idx="27">
+                  <c:v>10968.0678338654</c:v>
+                </c:pt>
+                <c:pt idx="28">
+                  <c:v>10966.045483924099</c:v>
+                </c:pt>
+                <c:pt idx="29">
+                  <c:v>10895.6988402446</c:v>
+                </c:pt>
+                <c:pt idx="30">
+                  <c:v>10937.6768547392</c:v>
+                </c:pt>
+                <c:pt idx="31">
+                  <c:v>10924.5233433825</c:v>
+                </c:pt>
+                <c:pt idx="32">
+                  <c:v>10906.3300283436</c:v>
+                </c:pt>
+                <c:pt idx="33">
+                  <c:v>10950.421012270401</c:v>
+                </c:pt>
+                <c:pt idx="34">
+                  <c:v>10801.578028451901</c:v>
+                </c:pt>
+                <c:pt idx="35">
+                  <c:v>10937.200482063499</c:v>
+                </c:pt>
+                <c:pt idx="36">
+                  <c:v>10968.4981686146</c:v>
+                </c:pt>
+                <c:pt idx="37">
+                  <c:v>10959.7423605895</c:v>
+                </c:pt>
+                <c:pt idx="38">
+                  <c:v>10908.090551187501</c:v>
+                </c:pt>
+                <c:pt idx="39">
+                  <c:v>10927.6440961973</c:v>
+                </c:pt>
+                <c:pt idx="40">
+                  <c:v>10940.417873721</c:v>
+                </c:pt>
+                <c:pt idx="41">
+                  <c:v>10974.935364003</c:v>
+                </c:pt>
+                <c:pt idx="42">
+                  <c:v>11017.521124324199</c:v>
+                </c:pt>
+                <c:pt idx="43">
+                  <c:v>10912.4862109194</c:v>
+                </c:pt>
+                <c:pt idx="44">
+                  <c:v>10896.7550383528</c:v>
+                </c:pt>
+                <c:pt idx="45">
+                  <c:v>10951.3021740042</c:v>
+                </c:pt>
+                <c:pt idx="46">
+                  <c:v>10968.8780795127</c:v>
+                </c:pt>
+                <c:pt idx="47">
+                  <c:v>10865.7106431703</c:v>
+                </c:pt>
+                <c:pt idx="48">
+                  <c:v>10952.422384795</c:v>
+                </c:pt>
+                <c:pt idx="49">
+                  <c:v>10985.6326481016</c:v>
+                </c:pt>
+                <c:pt idx="50">
+                  <c:v>10880.1760395694</c:v>
+                </c:pt>
+                <c:pt idx="51">
+                  <c:v>10886.5670070668</c:v>
+                </c:pt>
+                <c:pt idx="52">
+                  <c:v>10952.6381854311</c:v>
+                </c:pt>
+                <c:pt idx="53">
+                  <c:v>11003.6906206365</c:v>
+                </c:pt>
+                <c:pt idx="54">
+                  <c:v>10943.750518446999</c:v>
+                </c:pt>
+                <c:pt idx="55">
+                  <c:v>10916.2108631875</c:v>
+                </c:pt>
+                <c:pt idx="56">
+                  <c:v>10995.5420832167</c:v>
+                </c:pt>
+                <c:pt idx="57">
+                  <c:v>10973.897354463999</c:v>
+                </c:pt>
+                <c:pt idx="58">
+                  <c:v>10770.3974923401</c:v>
+                </c:pt>
+                <c:pt idx="59">
+                  <c:v>10645.5427097805</c:v>
+                </c:pt>
+                <c:pt idx="60">
+                  <c:v>10622.8228226069</c:v>
+                </c:pt>
+                <c:pt idx="61">
+                  <c:v>10627.840738753001</c:v>
+                </c:pt>
+                <c:pt idx="62">
+                  <c:v>10610.9915745504</c:v>
+                </c:pt>
+                <c:pt idx="63">
+                  <c:v>10615.140680057501</c:v>
+                </c:pt>
+              </c:numCache>
+            </c:numRef>
+          </c:val>
+          <c:smooth val="0"/>
+          <c:extLst>
+            <c:ext xmlns:c16="http://schemas.microsoft.com/office/drawing/2014/chart" uri="{C3380CC4-5D6E-409C-BE32-E72D297353CC}">
+              <c16:uniqueId val="{00000001-DBF5-45B7-BB45-E2999B9DFD12}"/>
+            </c:ext>
+          </c:extLst>
+        </c:ser>
+        <c:ser>
+          <c:idx val="3"/>
+          <c:order val="2"/>
+          <c:tx>
+            <c:strRef>
+              <c:f>batch_times!$E$1</c:f>
+              <c:strCache>
+                <c:ptCount val="1"/>
+                <c:pt idx="0">
+                  <c:v>Prompt4</c:v>
+                </c:pt>
+              </c:strCache>
+            </c:strRef>
+          </c:tx>
+          <c:spPr>
+            <a:ln w="22225" cap="rnd">
+              <a:solidFill>
+                <a:schemeClr val="accent4"/>
+              </a:solidFill>
+            </a:ln>
+            <a:effectLst>
+              <a:glow rad="139700">
+                <a:schemeClr val="accent4">
+                  <a:satMod val="175000"/>
+                  <a:alpha val="14000"/>
+                </a:schemeClr>
+              </a:glow>
+            </a:effectLst>
+          </c:spPr>
+          <c:marker>
+            <c:symbol val="none"/>
+          </c:marker>
+          <c:val>
+            <c:numRef>
+              <c:f>batch_times!$E$2:$E$65</c:f>
+              <c:numCache>
+                <c:formatCode>General</c:formatCode>
+                <c:ptCount val="64"/>
+                <c:pt idx="0">
+                  <c:v>8100.2085034288903</c:v>
+                </c:pt>
+                <c:pt idx="1">
+                  <c:v>8109.8865447211501</c:v>
+                </c:pt>
+                <c:pt idx="2">
+                  <c:v>8098.2550474986701</c:v>
+                </c:pt>
+                <c:pt idx="3">
+                  <c:v>8100.7350957824201</c:v>
+                </c:pt>
+                <c:pt idx="4">
+                  <c:v>8107.9149340658696</c:v>
+                </c:pt>
+                <c:pt idx="5">
+                  <c:v>8100.7011322419903</c:v>
+                </c:pt>
+                <c:pt idx="6">
+                  <c:v>8106.1185397350901</c:v>
+                </c:pt>
+                <c:pt idx="7">
+                  <c:v>8099.1147307309202</c:v>
+                </c:pt>
+                <c:pt idx="8">
+                  <c:v>8098.1903596067796</c:v>
+                </c:pt>
+                <c:pt idx="9">
+                  <c:v>8120.3234775567798</c:v>
+                </c:pt>
+                <c:pt idx="10">
+                  <c:v>8106.5934129732696</c:v>
+                </c:pt>
+                <c:pt idx="11">
+                  <c:v>8092.0655854134402</c:v>
+                </c:pt>
+                <c:pt idx="12">
+                  <c:v>8093.6992354812701</c:v>
+                </c:pt>
+                <c:pt idx="13">
+                  <c:v>8102.1942184606796</c:v>
+                </c:pt>
+                <c:pt idx="14">
+                  <c:v>8116.4305908916303</c:v>
+                </c:pt>
+                <c:pt idx="15">
+                  <c:v>8103.5432413955295</c:v>
+                </c:pt>
+                <c:pt idx="16">
+                  <c:v>8100.6414205862602</c:v>
+                </c:pt>
+                <c:pt idx="17">
+                  <c:v>8094.8649004502104</c:v>
+                </c:pt>
+                <c:pt idx="18">
+                  <c:v>8098.9805448916704</c:v>
+                </c:pt>
+                <c:pt idx="19">
+                  <c:v>8091.4329225635802</c:v>
+                </c:pt>
+                <c:pt idx="20">
+                  <c:v>8102.7304457145701</c:v>
+                </c:pt>
+                <c:pt idx="21">
+                  <c:v>8112.7127384307196</c:v>
+                </c:pt>
+                <c:pt idx="22">
+                  <c:v>8120.3069114264699</c:v>
+                </c:pt>
+                <c:pt idx="23">
+                  <c:v>8114.5818472252504</c:v>
+                </c:pt>
+                <c:pt idx="24">
+                  <c:v>8108.8775711184198</c:v>
+                </c:pt>
+                <c:pt idx="25">
+                  <c:v>8108.7811044110103</c:v>
+                </c:pt>
+                <c:pt idx="26">
+                  <c:v>8108.9367239902103</c:v>
+                </c:pt>
+                <c:pt idx="27">
+                  <c:v>8114.3274876371797</c:v>
+                </c:pt>
+                <c:pt idx="28">
+                  <c:v>8117.8386242840697</c:v>
+                </c:pt>
+                <c:pt idx="29">
+                  <c:v>8104.7858042776197</c:v>
+                </c:pt>
+                <c:pt idx="30">
+                  <c:v>8099.6376331438196</c:v>
+                </c:pt>
+                <c:pt idx="31">
+                  <c:v>8112.2816967811104</c:v>
+                </c:pt>
+                <c:pt idx="32">
+                  <c:v>8114.1085732772999</c:v>
+                </c:pt>
+                <c:pt idx="33">
+                  <c:v>8112.2618369154798</c:v>
+                </c:pt>
+                <c:pt idx="34">
+                  <c:v>8125.6252171815504</c:v>
+                </c:pt>
+                <c:pt idx="35">
+                  <c:v>8106.7732390440597</c:v>
+                </c:pt>
+                <c:pt idx="36">
+                  <c:v>8146.2729546997398</c:v>
+                </c:pt>
+                <c:pt idx="37">
+                  <c:v>8100.6928900979901</c:v>
+                </c:pt>
+                <c:pt idx="38">
+                  <c:v>8108.2031434319997</c:v>
+                </c:pt>
+                <c:pt idx="39">
+                  <c:v>8116.9328498346604</c:v>
+                </c:pt>
+                <c:pt idx="40">
+                  <c:v>8108.4944876134296</c:v>
+                </c:pt>
+                <c:pt idx="41">
+                  <c:v>8103.3337462916097</c:v>
+                </c:pt>
+                <c:pt idx="42">
+                  <c:v>8097.67546429495</c:v>
+                </c:pt>
+                <c:pt idx="43">
+                  <c:v>8099.6574236260003</c:v>
+                </c:pt>
+                <c:pt idx="44">
+                  <c:v>8102.1238060229498</c:v>
+                </c:pt>
+                <c:pt idx="45">
+                  <c:v>8114.8416461218703</c:v>
+                </c:pt>
+                <c:pt idx="46">
+                  <c:v>8122.6588513216702</c:v>
+                </c:pt>
+                <c:pt idx="47">
+                  <c:v>8114.70098315825</c:v>
+                </c:pt>
+                <c:pt idx="48">
+                  <c:v>8103.6603668407197</c:v>
+                </c:pt>
+                <c:pt idx="49">
+                  <c:v>8109.7288115164101</c:v>
+                </c:pt>
+                <c:pt idx="50">
+                  <c:v>8120.7626979841898</c:v>
+                </c:pt>
+                <c:pt idx="51">
+                  <c:v>8107.47425693474</c:v>
+                </c:pt>
+                <c:pt idx="52">
+                  <c:v>8105.9446114680804</c:v>
+                </c:pt>
+                <c:pt idx="53">
+                  <c:v>8106.0489884407798</c:v>
+                </c:pt>
+                <c:pt idx="54">
+                  <c:v>8136.6208653057702</c:v>
+                </c:pt>
+                <c:pt idx="55">
+                  <c:v>8128.0557194281</c:v>
+                </c:pt>
+                <c:pt idx="56">
+                  <c:v>8126.8979908088904</c:v>
+                </c:pt>
+                <c:pt idx="57">
+                  <c:v>8113.4738197261404</c:v>
+                </c:pt>
+                <c:pt idx="58">
+                  <c:v>8116.0491160577003</c:v>
+                </c:pt>
+                <c:pt idx="59">
+                  <c:v>8113.3510288998796</c:v>
+                </c:pt>
+                <c:pt idx="60">
+                  <c:v>8120.1166144231702</c:v>
+                </c:pt>
+                <c:pt idx="61">
+                  <c:v>8119.2664568186601</c:v>
+                </c:pt>
+                <c:pt idx="62">
+                  <c:v>8104.7278657698498</c:v>
+                </c:pt>
+                <c:pt idx="63">
+                  <c:v>8119.2627835363301</c:v>
+                </c:pt>
+              </c:numCache>
+            </c:numRef>
+          </c:val>
+          <c:smooth val="0"/>
+          <c:extLst>
+            <c:ext xmlns:c16="http://schemas.microsoft.com/office/drawing/2014/chart" uri="{C3380CC4-5D6E-409C-BE32-E72D297353CC}">
+              <c16:uniqueId val="{00000002-DBF5-45B7-BB45-E2999B9DFD12}"/>
+            </c:ext>
+          </c:extLst>
+        </c:ser>
+        <c:dLbls>
+          <c:showLegendKey val="0"/>
+          <c:showVal val="0"/>
+          <c:showCatName val="0"/>
+          <c:showSerName val="0"/>
+          <c:showPercent val="0"/>
+          <c:showBubbleSize val="0"/>
+        </c:dLbls>
+        <c:smooth val="0"/>
+        <c:axId val="1702980719"/>
+        <c:axId val="1702989359"/>
+      </c:lineChart>
+      <c:catAx>
+        <c:axId val="1702980719"/>
+        <c:scaling>
+          <c:orientation val="minMax"/>
+        </c:scaling>
+        <c:delete val="1"/>
+        <c:axPos val="b"/>
+        <c:majorGridlines>
+          <c:spPr>
+            <a:ln w="9525" cap="flat" cmpd="sng" algn="ctr">
+              <a:gradFill>
+                <a:gsLst>
+                  <a:gs pos="100000">
+                    <a:schemeClr val="dk1">
+                      <a:lumMod val="75000"/>
+                      <a:lumOff val="25000"/>
+                    </a:schemeClr>
+                  </a:gs>
+                  <a:gs pos="0">
+                    <a:schemeClr val="dk1">
+                      <a:lumMod val="65000"/>
+                      <a:lumOff val="35000"/>
+                    </a:schemeClr>
+                  </a:gs>
+                </a:gsLst>
+                <a:lin ang="5400000" scaled="0"/>
+              </a:gradFill>
+              <a:round/>
+            </a:ln>
+            <a:effectLst/>
+          </c:spPr>
+        </c:majorGridlines>
+        <c:majorTickMark val="none"/>
+        <c:minorTickMark val="none"/>
+        <c:tickLblPos val="nextTo"/>
+        <c:crossAx val="1702989359"/>
+        <c:crosses val="autoZero"/>
+        <c:auto val="1"/>
+        <c:lblAlgn val="ctr"/>
+        <c:lblOffset val="100"/>
+        <c:tickLblSkip val="9"/>
+        <c:tickMarkSkip val="10"/>
+        <c:noMultiLvlLbl val="0"/>
+      </c:catAx>
+      <c:valAx>
+        <c:axId val="1702989359"/>
+        <c:scaling>
+          <c:orientation val="minMax"/>
+          <c:min val="6000"/>
+        </c:scaling>
+        <c:delete val="0"/>
+        <c:axPos val="l"/>
+        <c:majorGridlines>
+          <c:spPr>
+            <a:ln w="9525" cap="flat" cmpd="sng" algn="ctr">
+              <a:gradFill>
+                <a:gsLst>
+                  <a:gs pos="100000">
+                    <a:schemeClr val="dk1">
+                      <a:lumMod val="75000"/>
+                      <a:lumOff val="25000"/>
+                    </a:schemeClr>
+                  </a:gs>
+                  <a:gs pos="0">
+                    <a:schemeClr val="dk1">
+                      <a:lumMod val="65000"/>
+                      <a:lumOff val="35000"/>
+                    </a:schemeClr>
+                  </a:gs>
+                </a:gsLst>
+                <a:lin ang="5400000" scaled="0"/>
+              </a:gradFill>
+              <a:round/>
+            </a:ln>
+            <a:effectLst/>
+          </c:spPr>
+        </c:majorGridlines>
+        <c:numFmt formatCode="General" sourceLinked="1"/>
+        <c:majorTickMark val="none"/>
+        <c:minorTickMark val="none"/>
+        <c:tickLblPos val="nextTo"/>
+        <c:spPr>
+          <a:noFill/>
+          <a:ln>
+            <a:noFill/>
+          </a:ln>
+          <a:effectLst/>
+        </c:spPr>
+        <c:txPr>
+          <a:bodyPr rot="-60000000" spcFirstLastPara="1" vertOverflow="ellipsis" vert="horz" wrap="square" anchor="ctr" anchorCtr="1"/>
+          <a:lstStyle/>
+          <a:p>
+            <a:pPr>
+              <a:defRPr sz="900" b="0" i="0" u="none" strike="noStrike" kern="1200" baseline="0">
+                <a:solidFill>
+                  <a:schemeClr val="lt1">
+                    <a:lumMod val="75000"/>
+                  </a:schemeClr>
+                </a:solidFill>
+                <a:latin typeface="+mn-lt"/>
+                <a:ea typeface="+mn-ea"/>
+                <a:cs typeface="+mn-cs"/>
+              </a:defRPr>
+            </a:pPr>
+            <a:endParaRPr lang="en-US"/>
+          </a:p>
+        </c:txPr>
+        <c:crossAx val="1702980719"/>
+        <c:crosses val="autoZero"/>
+        <c:crossBetween val="between"/>
+      </c:valAx>
+      <c:spPr>
+        <a:noFill/>
+        <a:ln>
+          <a:noFill/>
+        </a:ln>
+        <a:effectLst/>
+      </c:spPr>
+    </c:plotArea>
+    <c:legend>
+      <c:legendPos val="t"/>
+      <c:overlay val="0"/>
+      <c:spPr>
+        <a:noFill/>
+        <a:ln>
+          <a:noFill/>
+        </a:ln>
+        <a:effectLst/>
+      </c:spPr>
+      <c:txPr>
+        <a:bodyPr rot="0" spcFirstLastPara="1" vertOverflow="ellipsis" vert="horz" wrap="square" anchor="ctr" anchorCtr="1"/>
+        <a:lstStyle/>
+        <a:p>
+          <a:pPr>
+            <a:defRPr sz="900" b="0" i="0" u="none" strike="noStrike" kern="1200" baseline="0">
+              <a:solidFill>
+                <a:schemeClr val="lt1">
+                  <a:lumMod val="75000"/>
+                </a:schemeClr>
+              </a:solidFill>
+              <a:latin typeface="+mn-lt"/>
+              <a:ea typeface="+mn-ea"/>
+              <a:cs typeface="+mn-cs"/>
+            </a:defRPr>
+          </a:pPr>
+          <a:endParaRPr lang="en-US"/>
+        </a:p>
+      </c:txPr>
+    </c:legend>
+    <c:plotVisOnly val="1"/>
+    <c:dispBlanksAs val="gap"/>
+    <c:extLst>
+      <c:ext xmlns:c16r3="http://schemas.microsoft.com/office/drawing/2017/03/chart" uri="{56B9EC1D-385E-4148-901F-78D8002777C0}">
+        <c16r3:dataDisplayOptions16>
+          <c16r3:dispNaAsBlank val="1"/>
+        </c16r3:dataDisplayOptions16>
+      </c:ext>
+    </c:extLst>
+    <c:showDLblsOverMax val="0"/>
+  </c:chart>
+  <c:spPr>
+    <a:solidFill>
+      <a:schemeClr val="dk1">
+        <a:lumMod val="75000"/>
+        <a:lumOff val="25000"/>
+      </a:schemeClr>
+    </a:solidFill>
+    <a:ln w="9525" cap="flat" cmpd="sng" algn="ctr">
+      <a:solidFill>
+        <a:schemeClr val="dk1">
+          <a:lumMod val="15000"/>
+          <a:lumOff val="85000"/>
+        </a:schemeClr>
+      </a:solidFill>
+      <a:round/>
+    </a:ln>
+    <a:effectLst/>
+  </c:spPr>
+  <c:txPr>
+    <a:bodyPr/>
+    <a:lstStyle/>
+    <a:p>
+      <a:pPr>
+        <a:defRPr/>
+      </a:pPr>
+      <a:endParaRPr lang="en-US"/>
+    </a:p>
+  </c:txPr>
+  <c:externalData r:id="rId3">
+    <c:autoUpdate val="0"/>
+  </c:externalData>
+</c:chartSpace>
+</file>
+
 <file path=ppt/charts/colors1.xml><?xml version="1.0" encoding="utf-8"?>
 <cs:colorStyle xmlns:cs="http://schemas.microsoft.com/office/drawing/2012/chartStyle" xmlns:a="http://schemas.openxmlformats.org/drawingml/2006/main" meth="cycle" id="10">
   <a:schemeClr val="accent1"/>
@@ -2038,6 +3037,46 @@
 </file>
 
 <file path=ppt/charts/colors4.xml><?xml version="1.0" encoding="utf-8"?>
+<cs:colorStyle xmlns:cs="http://schemas.microsoft.com/office/drawing/2012/chartStyle" xmlns:a="http://schemas.openxmlformats.org/drawingml/2006/main" meth="cycle" id="10">
+  <a:schemeClr val="accent1"/>
+  <a:schemeClr val="accent2"/>
+  <a:schemeClr val="accent3"/>
+  <a:schemeClr val="accent4"/>
+  <a:schemeClr val="accent5"/>
+  <a:schemeClr val="accent6"/>
+  <cs:variation/>
+  <cs:variation>
+    <a:lumMod val="60000"/>
+  </cs:variation>
+  <cs:variation>
+    <a:lumMod val="80000"/>
+    <a:lumOff val="20000"/>
+  </cs:variation>
+  <cs:variation>
+    <a:lumMod val="80000"/>
+  </cs:variation>
+  <cs:variation>
+    <a:lumMod val="60000"/>
+    <a:lumOff val="40000"/>
+  </cs:variation>
+  <cs:variation>
+    <a:lumMod val="50000"/>
+  </cs:variation>
+  <cs:variation>
+    <a:lumMod val="70000"/>
+    <a:lumOff val="30000"/>
+  </cs:variation>
+  <cs:variation>
+    <a:lumMod val="70000"/>
+  </cs:variation>
+  <cs:variation>
+    <a:lumMod val="50000"/>
+    <a:lumOff val="50000"/>
+  </cs:variation>
+</cs:colorStyle>
+</file>
+
+<file path=ppt/charts/colors5.xml><?xml version="1.0" encoding="utf-8"?>
 <cs:colorStyle xmlns:cs="http://schemas.microsoft.com/office/drawing/2012/chartStyle" xmlns:a="http://schemas.openxmlformats.org/drawingml/2006/main" meth="cycle" id="10">
   <a:schemeClr val="accent1"/>
   <a:schemeClr val="accent2"/>
@@ -4089,6 +5128,555 @@
 </cs:chartStyle>
 </file>
 
+<file path=ppt/charts/style5.xml><?xml version="1.0" encoding="utf-8"?>
+<cs:chartStyle xmlns:cs="http://schemas.microsoft.com/office/drawing/2012/chartStyle" xmlns:a="http://schemas.openxmlformats.org/drawingml/2006/main" id="236">
+  <cs:axisTitle>
+    <cs:lnRef idx="0"/>
+    <cs:fillRef idx="0"/>
+    <cs:effectRef idx="0"/>
+    <cs:fontRef idx="minor">
+      <a:schemeClr val="lt1">
+        <a:lumMod val="75000"/>
+      </a:schemeClr>
+    </cs:fontRef>
+    <cs:defRPr sz="900" b="1" kern="1200"/>
+  </cs:axisTitle>
+  <cs:categoryAxis>
+    <cs:lnRef idx="0"/>
+    <cs:fillRef idx="0"/>
+    <cs:effectRef idx="0"/>
+    <cs:fontRef idx="minor">
+      <a:schemeClr val="lt1">
+        <a:lumMod val="75000"/>
+      </a:schemeClr>
+    </cs:fontRef>
+    <cs:defRPr sz="900" kern="1200"/>
+  </cs:categoryAxis>
+  <cs:chartArea>
+    <cs:lnRef idx="0"/>
+    <cs:fillRef idx="0"/>
+    <cs:effectRef idx="0"/>
+    <cs:fontRef idx="minor">
+      <a:schemeClr val="dk1"/>
+    </cs:fontRef>
+    <cs:spPr>
+      <a:solidFill>
+        <a:schemeClr val="dk1">
+          <a:lumMod val="75000"/>
+          <a:lumOff val="25000"/>
+        </a:schemeClr>
+      </a:solidFill>
+      <a:ln w="9525" cap="flat" cmpd="sng" algn="ctr">
+        <a:solidFill>
+          <a:schemeClr val="dk1">
+            <a:lumMod val="15000"/>
+            <a:lumOff val="85000"/>
+          </a:schemeClr>
+        </a:solidFill>
+        <a:round/>
+      </a:ln>
+    </cs:spPr>
+    <cs:defRPr sz="900" kern="1200"/>
+  </cs:chartArea>
+  <cs:dataLabel>
+    <cs:lnRef idx="0"/>
+    <cs:fillRef idx="0"/>
+    <cs:effectRef idx="0"/>
+    <cs:fontRef idx="minor">
+      <a:schemeClr val="lt1">
+        <a:lumMod val="75000"/>
+      </a:schemeClr>
+    </cs:fontRef>
+    <cs:defRPr sz="900" kern="1200"/>
+  </cs:dataLabel>
+  <cs:dataLabelCallout>
+    <cs:lnRef idx="0"/>
+    <cs:fillRef idx="0"/>
+    <cs:effectRef idx="0"/>
+    <cs:fontRef idx="minor">
+      <a:schemeClr val="lt1">
+        <a:lumMod val="15000"/>
+        <a:lumOff val="85000"/>
+      </a:schemeClr>
+    </cs:fontRef>
+    <cs:spPr>
+      <a:solidFill>
+        <a:schemeClr val="dk1">
+          <a:lumMod val="65000"/>
+          <a:lumOff val="35000"/>
+        </a:schemeClr>
+      </a:solidFill>
+    </cs:spPr>
+    <cs:defRPr sz="900" kern="1200"/>
+    <cs:bodyPr rot="0" spcFirstLastPara="1" vertOverflow="clip" horzOverflow="clip" vert="horz" wrap="square" lIns="36576" tIns="18288" rIns="36576" bIns="18288" anchor="ctr" anchorCtr="1">
+      <a:spAutoFit/>
+    </cs:bodyPr>
+  </cs:dataLabelCallout>
+  <cs:dataPoint>
+    <cs:lnRef idx="0">
+      <cs:styleClr val="auto"/>
+    </cs:lnRef>
+    <cs:fillRef idx="0"/>
+    <cs:effectRef idx="0">
+      <cs:styleClr val="auto"/>
+    </cs:effectRef>
+    <cs:fontRef idx="minor">
+      <a:schemeClr val="dk1"/>
+    </cs:fontRef>
+    <cs:spPr>
+      <a:ln w="9525" cap="flat" cmpd="sng" algn="ctr">
+        <a:solidFill>
+          <a:schemeClr val="phClr"/>
+        </a:solidFill>
+        <a:miter lim="800000"/>
+      </a:ln>
+      <a:effectLst>
+        <a:glow rad="63500">
+          <a:schemeClr val="phClr">
+            <a:satMod val="175000"/>
+            <a:alpha val="25000"/>
+          </a:schemeClr>
+        </a:glow>
+      </a:effectLst>
+    </cs:spPr>
+  </cs:dataPoint>
+  <cs:dataPoint3D>
+    <cs:lnRef idx="0">
+      <cs:styleClr val="auto"/>
+    </cs:lnRef>
+    <cs:fillRef idx="0">
+      <cs:styleClr val="auto"/>
+    </cs:fillRef>
+    <cs:effectRef idx="0">
+      <cs:styleClr val="auto"/>
+    </cs:effectRef>
+    <cs:fontRef idx="minor">
+      <a:schemeClr val="dk1"/>
+    </cs:fontRef>
+    <cs:spPr>
+      <a:ln w="9525" cap="flat" cmpd="sng" algn="ctr">
+        <a:solidFill>
+          <a:schemeClr val="phClr"/>
+        </a:solidFill>
+        <a:miter lim="800000"/>
+      </a:ln>
+      <a:effectLst>
+        <a:glow rad="63500">
+          <a:schemeClr val="phClr">
+            <a:satMod val="175000"/>
+            <a:alpha val="25000"/>
+          </a:schemeClr>
+        </a:glow>
+      </a:effectLst>
+    </cs:spPr>
+  </cs:dataPoint3D>
+  <cs:dataPointLine>
+    <cs:lnRef idx="0">
+      <cs:styleClr val="auto"/>
+    </cs:lnRef>
+    <cs:fillRef idx="0">
+      <cs:styleClr val="auto"/>
+    </cs:fillRef>
+    <cs:effectRef idx="0">
+      <cs:styleClr val="auto"/>
+    </cs:effectRef>
+    <cs:fontRef idx="minor">
+      <a:schemeClr val="dk1"/>
+    </cs:fontRef>
+    <cs:spPr>
+      <a:ln w="22225" cap="rnd">
+        <a:solidFill>
+          <a:schemeClr val="phClr"/>
+        </a:solidFill>
+      </a:ln>
+      <a:effectLst>
+        <a:glow rad="139700">
+          <a:schemeClr val="phClr">
+            <a:satMod val="175000"/>
+            <a:alpha val="14000"/>
+          </a:schemeClr>
+        </a:glow>
+      </a:effectLst>
+    </cs:spPr>
+  </cs:dataPointLine>
+  <cs:dataPointMarker>
+    <cs:lnRef idx="0">
+      <cs:styleClr val="auto"/>
+    </cs:lnRef>
+    <cs:fillRef idx="0">
+      <cs:styleClr val="auto"/>
+    </cs:fillRef>
+    <cs:effectRef idx="0">
+      <cs:styleClr val="auto"/>
+    </cs:effectRef>
+    <cs:fontRef idx="minor">
+      <a:schemeClr val="dk1"/>
+    </cs:fontRef>
+    <cs:spPr>
+      <a:solidFill>
+        <a:schemeClr val="phClr">
+          <a:lumMod val="60000"/>
+          <a:lumOff val="40000"/>
+        </a:schemeClr>
+      </a:solidFill>
+      <a:effectLst>
+        <a:glow rad="63500">
+          <a:schemeClr val="phClr">
+            <a:satMod val="175000"/>
+            <a:alpha val="25000"/>
+          </a:schemeClr>
+        </a:glow>
+      </a:effectLst>
+    </cs:spPr>
+  </cs:dataPointMarker>
+  <cs:dataPointMarkerLayout symbol="circle" size="4"/>
+  <cs:dataPointWireframe>
+    <cs:lnRef idx="0">
+      <cs:styleClr val="auto"/>
+    </cs:lnRef>
+    <cs:fillRef idx="0"/>
+    <cs:effectRef idx="0"/>
+    <cs:fontRef idx="minor">
+      <a:schemeClr val="dk1"/>
+    </cs:fontRef>
+    <cs:spPr>
+      <a:ln w="9525" cap="rnd">
+        <a:solidFill>
+          <a:schemeClr val="phClr"/>
+        </a:solidFill>
+        <a:round/>
+      </a:ln>
+    </cs:spPr>
+  </cs:dataPointWireframe>
+  <cs:dataTable>
+    <cs:lnRef idx="0"/>
+    <cs:fillRef idx="0"/>
+    <cs:effectRef idx="0"/>
+    <cs:fontRef idx="minor">
+      <a:schemeClr val="lt1">
+        <a:lumMod val="75000"/>
+      </a:schemeClr>
+    </cs:fontRef>
+    <cs:spPr>
+      <a:ln w="9525">
+        <a:solidFill>
+          <a:schemeClr val="dk1">
+            <a:lumMod val="50000"/>
+            <a:lumOff val="50000"/>
+          </a:schemeClr>
+        </a:solidFill>
+      </a:ln>
+    </cs:spPr>
+    <cs:defRPr sz="900" kern="1200"/>
+  </cs:dataTable>
+  <cs:downBar>
+    <cs:lnRef idx="0"/>
+    <cs:fillRef idx="0"/>
+    <cs:effectRef idx="0"/>
+    <cs:fontRef idx="minor">
+      <a:schemeClr val="lt1"/>
+    </cs:fontRef>
+    <cs:spPr>
+      <a:solidFill>
+        <a:schemeClr val="dk1">
+          <a:lumMod val="50000"/>
+          <a:lumOff val="50000"/>
+        </a:schemeClr>
+      </a:solidFill>
+      <a:ln w="9525">
+        <a:solidFill>
+          <a:schemeClr val="dk1">
+            <a:lumMod val="75000"/>
+          </a:schemeClr>
+        </a:solidFill>
+        <a:round/>
+      </a:ln>
+    </cs:spPr>
+  </cs:downBar>
+  <cs:dropLine>
+    <cs:lnRef idx="0"/>
+    <cs:fillRef idx="0"/>
+    <cs:effectRef idx="0"/>
+    <cs:fontRef idx="minor">
+      <a:schemeClr val="dk1"/>
+    </cs:fontRef>
+    <cs:spPr>
+      <a:ln w="9525">
+        <a:solidFill>
+          <a:schemeClr val="lt1">
+            <a:lumMod val="50000"/>
+          </a:schemeClr>
+        </a:solidFill>
+        <a:round/>
+      </a:ln>
+    </cs:spPr>
+  </cs:dropLine>
+  <cs:errorBar>
+    <cs:lnRef idx="0"/>
+    <cs:fillRef idx="0"/>
+    <cs:effectRef idx="0"/>
+    <cs:fontRef idx="minor">
+      <a:schemeClr val="dk1"/>
+    </cs:fontRef>
+    <cs:spPr>
+      <a:ln w="9525">
+        <a:solidFill>
+          <a:schemeClr val="lt1">
+            <a:lumMod val="50000"/>
+          </a:schemeClr>
+        </a:solidFill>
+        <a:round/>
+      </a:ln>
+    </cs:spPr>
+  </cs:errorBar>
+  <cs:floor>
+    <cs:lnRef idx="0"/>
+    <cs:fillRef idx="0"/>
+    <cs:effectRef idx="0"/>
+    <cs:fontRef idx="minor">
+      <a:schemeClr val="dk1"/>
+    </cs:fontRef>
+  </cs:floor>
+  <cs:gridlineMajor>
+    <cs:lnRef idx="0"/>
+    <cs:fillRef idx="0"/>
+    <cs:effectRef idx="0"/>
+    <cs:fontRef idx="minor">
+      <a:schemeClr val="dk1"/>
+    </cs:fontRef>
+    <cs:spPr>
+      <a:ln w="9525" cap="flat" cmpd="sng" algn="ctr">
+        <a:gradFill>
+          <a:gsLst>
+            <a:gs pos="100000">
+              <a:schemeClr val="dk1">
+                <a:lumMod val="75000"/>
+                <a:lumOff val="25000"/>
+              </a:schemeClr>
+            </a:gs>
+            <a:gs pos="0">
+              <a:schemeClr val="dk1">
+                <a:lumMod val="65000"/>
+                <a:lumOff val="35000"/>
+              </a:schemeClr>
+            </a:gs>
+          </a:gsLst>
+          <a:lin ang="5400000" scaled="0"/>
+        </a:gradFill>
+        <a:round/>
+      </a:ln>
+    </cs:spPr>
+  </cs:gridlineMajor>
+  <cs:gridlineMinor>
+    <cs:lnRef idx="0"/>
+    <cs:fillRef idx="0"/>
+    <cs:effectRef idx="0"/>
+    <cs:fontRef idx="minor">
+      <a:schemeClr val="dk1"/>
+    </cs:fontRef>
+    <cs:spPr>
+      <a:ln w="9525" cap="flat" cmpd="sng" algn="ctr">
+        <a:gradFill>
+          <a:gsLst>
+            <a:gs pos="100000">
+              <a:schemeClr val="dk1">
+                <a:lumMod val="75000"/>
+                <a:lumOff val="25000"/>
+                <a:alpha val="25000"/>
+              </a:schemeClr>
+            </a:gs>
+            <a:gs pos="0">
+              <a:schemeClr val="dk1">
+                <a:lumMod val="65000"/>
+                <a:lumOff val="35000"/>
+                <a:alpha val="25000"/>
+              </a:schemeClr>
+            </a:gs>
+          </a:gsLst>
+          <a:lin ang="5400000" scaled="0"/>
+        </a:gradFill>
+        <a:round/>
+      </a:ln>
+    </cs:spPr>
+  </cs:gridlineMinor>
+  <cs:hiLoLine>
+    <cs:lnRef idx="0"/>
+    <cs:fillRef idx="0"/>
+    <cs:effectRef idx="0"/>
+    <cs:fontRef idx="minor">
+      <a:schemeClr val="dk1"/>
+    </cs:fontRef>
+    <cs:spPr>
+      <a:ln w="9525">
+        <a:solidFill>
+          <a:schemeClr val="lt1">
+            <a:lumMod val="50000"/>
+          </a:schemeClr>
+        </a:solidFill>
+        <a:round/>
+      </a:ln>
+    </cs:spPr>
+  </cs:hiLoLine>
+  <cs:leaderLine>
+    <cs:lnRef idx="0"/>
+    <cs:fillRef idx="0"/>
+    <cs:effectRef idx="0"/>
+    <cs:fontRef idx="minor">
+      <a:schemeClr val="dk1"/>
+    </cs:fontRef>
+    <cs:spPr>
+      <a:ln w="9525">
+        <a:solidFill>
+          <a:schemeClr val="lt1">
+            <a:lumMod val="50000"/>
+          </a:schemeClr>
+        </a:solidFill>
+        <a:round/>
+      </a:ln>
+    </cs:spPr>
+  </cs:leaderLine>
+  <cs:legend>
+    <cs:lnRef idx="0"/>
+    <cs:fillRef idx="0"/>
+    <cs:effectRef idx="0"/>
+    <cs:fontRef idx="minor">
+      <a:schemeClr val="lt1">
+        <a:lumMod val="75000"/>
+      </a:schemeClr>
+    </cs:fontRef>
+    <cs:defRPr sz="900" kern="1200"/>
+  </cs:legend>
+  <cs:plotArea>
+    <cs:lnRef idx="0"/>
+    <cs:fillRef idx="0"/>
+    <cs:effectRef idx="0"/>
+    <cs:fontRef idx="minor">
+      <a:schemeClr val="dk1"/>
+    </cs:fontRef>
+  </cs:plotArea>
+  <cs:plotArea3D>
+    <cs:lnRef idx="0"/>
+    <cs:fillRef idx="0"/>
+    <cs:effectRef idx="0"/>
+    <cs:fontRef idx="minor">
+      <a:schemeClr val="dk1"/>
+    </cs:fontRef>
+  </cs:plotArea3D>
+  <cs:seriesAxis>
+    <cs:lnRef idx="0"/>
+    <cs:fillRef idx="0"/>
+    <cs:effectRef idx="0"/>
+    <cs:fontRef idx="minor">
+      <a:schemeClr val="lt1">
+        <a:lumMod val="75000"/>
+      </a:schemeClr>
+    </cs:fontRef>
+    <cs:defRPr sz="900" kern="1200"/>
+  </cs:seriesAxis>
+  <cs:seriesLine>
+    <cs:lnRef idx="0"/>
+    <cs:fillRef idx="0"/>
+    <cs:effectRef idx="0"/>
+    <cs:fontRef idx="minor">
+      <a:schemeClr val="dk1"/>
+    </cs:fontRef>
+    <cs:spPr>
+      <a:ln w="9525">
+        <a:solidFill>
+          <a:schemeClr val="lt1">
+            <a:lumMod val="50000"/>
+          </a:schemeClr>
+        </a:solidFill>
+        <a:round/>
+      </a:ln>
+    </cs:spPr>
+  </cs:seriesLine>
+  <cs:title>
+    <cs:lnRef idx="0"/>
+    <cs:fillRef idx="0"/>
+    <cs:effectRef idx="0"/>
+    <cs:fontRef idx="minor">
+      <a:schemeClr val="lt1">
+        <a:lumMod val="85000"/>
+      </a:schemeClr>
+    </cs:fontRef>
+    <cs:defRPr sz="1400" b="1" kern="1200" cap="none" baseline="0"/>
+  </cs:title>
+  <cs:trendline>
+    <cs:lnRef idx="0">
+      <cs:styleClr val="auto"/>
+    </cs:lnRef>
+    <cs:fillRef idx="0"/>
+    <cs:effectRef idx="0"/>
+    <cs:fontRef idx="minor">
+      <a:schemeClr val="lt1"/>
+    </cs:fontRef>
+    <cs:spPr>
+      <a:ln w="25400" cap="rnd">
+        <a:solidFill>
+          <a:schemeClr val="phClr">
+            <a:alpha val="50000"/>
+          </a:schemeClr>
+        </a:solidFill>
+      </a:ln>
+    </cs:spPr>
+  </cs:trendline>
+  <cs:trendlineLabel>
+    <cs:lnRef idx="0"/>
+    <cs:fillRef idx="0"/>
+    <cs:effectRef idx="0"/>
+    <cs:fontRef idx="minor">
+      <a:schemeClr val="lt1">
+        <a:lumMod val="75000"/>
+      </a:schemeClr>
+    </cs:fontRef>
+    <cs:defRPr sz="900" kern="1200"/>
+  </cs:trendlineLabel>
+  <cs:upBar>
+    <cs:lnRef idx="0"/>
+    <cs:fillRef idx="0"/>
+    <cs:effectRef idx="0"/>
+    <cs:fontRef idx="minor">
+      <a:schemeClr val="dk1"/>
+    </cs:fontRef>
+    <cs:spPr>
+      <a:solidFill>
+        <a:schemeClr val="lt1">
+          <a:lumMod val="85000"/>
+        </a:schemeClr>
+      </a:solidFill>
+      <a:ln w="9525">
+        <a:solidFill>
+          <a:schemeClr val="dk1">
+            <a:lumMod val="50000"/>
+          </a:schemeClr>
+        </a:solidFill>
+        <a:round/>
+      </a:ln>
+    </cs:spPr>
+  </cs:upBar>
+  <cs:valueAxis>
+    <cs:lnRef idx="0"/>
+    <cs:fillRef idx="0"/>
+    <cs:effectRef idx="0"/>
+    <cs:fontRef idx="minor">
+      <a:schemeClr val="lt1">
+        <a:lumMod val="75000"/>
+      </a:schemeClr>
+    </cs:fontRef>
+    <cs:defRPr sz="900" kern="1200"/>
+  </cs:valueAxis>
+  <cs:wall>
+    <cs:lnRef idx="0"/>
+    <cs:fillRef idx="0"/>
+    <cs:effectRef idx="0"/>
+    <cs:fontRef idx="minor">
+      <a:schemeClr val="dk1"/>
+    </cs:fontRef>
+  </cs:wall>
+</cs:chartStyle>
+</file>
+
 <file path=ppt/handoutMasters/handoutMaster1.xml><?xml version="1.0" encoding="utf-8"?>
 <p:handoutMaster xmlns:a="http://schemas.openxmlformats.org/drawingml/2006/main" xmlns:r="http://schemas.openxmlformats.org/officeDocument/2006/relationships" xmlns:p="http://schemas.openxmlformats.org/presentationml/2006/main">
   <p:cSld>
@@ -19859,7 +21447,7 @@
         </p:nvSpPr>
         <p:spPr>
           <a:xfrm>
-            <a:off x="6846348" y="1351589"/>
+            <a:off x="6941760" y="1351589"/>
             <a:ext cx="3238920" cy="684796"/>
           </a:xfrm>
           <a:prstGeom prst="rect">
@@ -20089,7 +21677,7 @@
         </p:blipFill>
         <p:spPr>
           <a:xfrm>
-            <a:off x="6313174" y="1841541"/>
+            <a:off x="6408586" y="1841541"/>
             <a:ext cx="3772094" cy="857294"/>
           </a:xfrm>
           <a:prstGeom prst="rect">
@@ -20097,6 +21685,36 @@
           </a:prstGeom>
         </p:spPr>
       </p:pic>
+      <p:graphicFrame>
+        <p:nvGraphicFramePr>
+          <p:cNvPr id="8" name="Chart 7">
+            <a:extLst>
+              <a:ext uri="{FF2B5EF4-FFF2-40B4-BE49-F238E27FC236}">
+                <a16:creationId xmlns:a16="http://schemas.microsoft.com/office/drawing/2014/main" id="{D8886ECF-1A5A-A49E-E065-EB14FED0EBD3}"/>
+              </a:ext>
+            </a:extLst>
+          </p:cNvPr>
+          <p:cNvGraphicFramePr>
+            <a:graphicFrameLocks/>
+          </p:cNvGraphicFramePr>
+          <p:nvPr>
+            <p:extLst>
+              <p:ext uri="{D42A27DB-BD31-4B8C-83A1-F6EECF244321}">
+                <p14:modId xmlns:p14="http://schemas.microsoft.com/office/powerpoint/2010/main" val="3897638269"/>
+              </p:ext>
+            </p:extLst>
+          </p:nvPr>
+        </p:nvGraphicFramePr>
+        <p:xfrm>
+          <a:off x="6418028" y="3111625"/>
+          <a:ext cx="5007996" cy="3197099"/>
+        </p:xfrm>
+        <a:graphic>
+          <a:graphicData uri="http://schemas.openxmlformats.org/drawingml/2006/chart">
+            <c:chart xmlns:c="http://schemas.openxmlformats.org/drawingml/2006/chart" xmlns:r="http://schemas.openxmlformats.org/officeDocument/2006/relationships" r:id="rId5"/>
+          </a:graphicData>
+        </a:graphic>
+      </p:graphicFrame>
     </p:spTree>
     <p:extLst>
       <p:ext uri="{BB962C8B-B14F-4D97-AF65-F5344CB8AC3E}">
@@ -25975,25 +27593,6 @@
 </file>
 
 <file path=customXml/item1.xml><?xml version="1.0" encoding="utf-8"?>
-<p:properties xmlns:p="http://schemas.microsoft.com/office/2006/metadata/properties" xmlns:xsi="http://www.w3.org/2001/XMLSchema-instance" xmlns:pc="http://schemas.microsoft.com/office/infopath/2007/PartnerControls">
-  <documentManagement>
-    <_ip_UnifiedCompliancePolicyUIAction xmlns="http://schemas.microsoft.com/sharepoint/v3" xsi:nil="true"/>
-    <Image xmlns="71af3243-3dd4-4a8d-8c0d-dd76da1f02a5">
-      <Url xsi:nil="true"/>
-      <Description xsi:nil="true"/>
-    </Image>
-    <Status xmlns="71af3243-3dd4-4a8d-8c0d-dd76da1f02a5">Not started</Status>
-    <_ip_UnifiedCompliancePolicyProperties xmlns="http://schemas.microsoft.com/sharepoint/v3" xsi:nil="true"/>
-    <lcf76f155ced4ddcb4097134ff3c332f xmlns="71af3243-3dd4-4a8d-8c0d-dd76da1f02a5">
-      <Terms xmlns="http://schemas.microsoft.com/office/infopath/2007/PartnerControls"/>
-    </lcf76f155ced4ddcb4097134ff3c332f>
-    <TaxCatchAll xmlns="230e9df3-be65-4c73-a93b-d1236ebd677e"/>
-    <MediaServiceKeyPoints xmlns="71af3243-3dd4-4a8d-8c0d-dd76da1f02a5" xsi:nil="true"/>
-  </documentManagement>
-</p:properties>
-</file>
-
-<file path=customXml/item2.xml><?xml version="1.0" encoding="utf-8"?>
 <ct:contentTypeSchema xmlns:ct="http://schemas.microsoft.com/office/2006/metadata/contentType" xmlns:ma="http://schemas.microsoft.com/office/2006/metadata/properties/metaAttributes" ct:_="" ma:_="" ma:contentTypeName="Document" ma:contentTypeID="0x01010079F111ED35F8CC479449609E8A0923A6" ma:contentTypeVersion="18" ma:contentTypeDescription="Create a new document." ma:contentTypeScope="" ma:versionID="22a266b9fa9a230c5a512669d8b298c3">
   <xsd:schema xmlns:xsd="http://www.w3.org/2001/XMLSchema" xmlns:xs="http://www.w3.org/2001/XMLSchema" xmlns:p="http://schemas.microsoft.com/office/2006/metadata/properties" xmlns:ns1="http://schemas.microsoft.com/sharepoint/v3" xmlns:ns2="71af3243-3dd4-4a8d-8c0d-dd76da1f02a5" xmlns:ns3="16c05727-aa75-4e4a-9b5f-8a80a1165891" xmlns:ns4="230e9df3-be65-4c73-a93b-d1236ebd677e" targetNamespace="http://schemas.microsoft.com/office/2006/metadata/properties" ma:root="true" ma:fieldsID="eddc33fff6b14141ee5c74a0d29ea6a1" ns1:_="" ns2:_="" ns3:_="" ns4:_="">
     <xsd:import namespace="http://schemas.microsoft.com/sharepoint/v3"/>
@@ -26269,6 +27868,25 @@
 </ct:contentTypeSchema>
 </file>
 
+<file path=customXml/item2.xml><?xml version="1.0" encoding="utf-8"?>
+<p:properties xmlns:p="http://schemas.microsoft.com/office/2006/metadata/properties" xmlns:xsi="http://www.w3.org/2001/XMLSchema-instance" xmlns:pc="http://schemas.microsoft.com/office/infopath/2007/PartnerControls">
+  <documentManagement>
+    <_ip_UnifiedCompliancePolicyUIAction xmlns="http://schemas.microsoft.com/sharepoint/v3" xsi:nil="true"/>
+    <Image xmlns="71af3243-3dd4-4a8d-8c0d-dd76da1f02a5">
+      <Url xsi:nil="true"/>
+      <Description xsi:nil="true"/>
+    </Image>
+    <Status xmlns="71af3243-3dd4-4a8d-8c0d-dd76da1f02a5">Not started</Status>
+    <_ip_UnifiedCompliancePolicyProperties xmlns="http://schemas.microsoft.com/sharepoint/v3" xsi:nil="true"/>
+    <lcf76f155ced4ddcb4097134ff3c332f xmlns="71af3243-3dd4-4a8d-8c0d-dd76da1f02a5">
+      <Terms xmlns="http://schemas.microsoft.com/office/infopath/2007/PartnerControls"/>
+    </lcf76f155ced4ddcb4097134ff3c332f>
+    <TaxCatchAll xmlns="230e9df3-be65-4c73-a93b-d1236ebd677e"/>
+    <MediaServiceKeyPoints xmlns="71af3243-3dd4-4a8d-8c0d-dd76da1f02a5" xsi:nil="true"/>
+  </documentManagement>
+</p:properties>
+</file>
+
 <file path=customXml/item3.xml><?xml version="1.0" encoding="utf-8"?>
 <?mso-contentType ?>
 <FormTemplates xmlns="http://schemas.microsoft.com/sharepoint/v3/contenttype/forms">
@@ -26279,18 +27897,6 @@
 </file>
 
 <file path=customXml/itemProps1.xml><?xml version="1.0" encoding="utf-8"?>
-<ds:datastoreItem xmlns:ds="http://schemas.openxmlformats.org/officeDocument/2006/customXml" ds:itemID="{50811A92-D464-4AC4-A396-BA73B10CEEAC}">
-  <ds:schemaRefs>
-    <ds:schemaRef ds:uri="http://schemas.microsoft.com/office/2006/metadata/properties"/>
-    <ds:schemaRef ds:uri="http://schemas.microsoft.com/office/infopath/2007/PartnerControls"/>
-    <ds:schemaRef ds:uri="http://schemas.microsoft.com/sharepoint/v3"/>
-    <ds:schemaRef ds:uri="71af3243-3dd4-4a8d-8c0d-dd76da1f02a5"/>
-    <ds:schemaRef ds:uri="230e9df3-be65-4c73-a93b-d1236ebd677e"/>
-  </ds:schemaRefs>
-</ds:datastoreItem>
-</file>
-
-<file path=customXml/itemProps2.xml><?xml version="1.0" encoding="utf-8"?>
 <ds:datastoreItem xmlns:ds="http://schemas.openxmlformats.org/officeDocument/2006/customXml" ds:itemID="{DE4876F9-7AE1-498D-B8FE-1E3AD703D2AF}">
   <ds:schemaRefs>
     <ds:schemaRef ds:uri="http://schemas.microsoft.com/office/2006/metadata/contentType"/>
@@ -26311,6 +27917,18 @@
 </ds:datastoreItem>
 </file>
 
+<file path=customXml/itemProps2.xml><?xml version="1.0" encoding="utf-8"?>
+<ds:datastoreItem xmlns:ds="http://schemas.openxmlformats.org/officeDocument/2006/customXml" ds:itemID="{50811A92-D464-4AC4-A396-BA73B10CEEAC}">
+  <ds:schemaRefs>
+    <ds:schemaRef ds:uri="http://schemas.microsoft.com/office/2006/metadata/properties"/>
+    <ds:schemaRef ds:uri="http://schemas.microsoft.com/office/infopath/2007/PartnerControls"/>
+    <ds:schemaRef ds:uri="http://schemas.microsoft.com/sharepoint/v3"/>
+    <ds:schemaRef ds:uri="71af3243-3dd4-4a8d-8c0d-dd76da1f02a5"/>
+    <ds:schemaRef ds:uri="230e9df3-be65-4c73-a93b-d1236ebd677e"/>
+  </ds:schemaRefs>
+</ds:datastoreItem>
+</file>
+
 <file path=customXml/itemProps3.xml><?xml version="1.0" encoding="utf-8"?>
 <ds:datastoreItem xmlns:ds="http://schemas.openxmlformats.org/officeDocument/2006/customXml" ds:itemID="{904751AB-E840-446F-8D49-E697067EC887}">
   <ds:schemaRefs>

--- a/gpt_grid/presentation/Chat-GPT for data analysis.pptx
+++ b/gpt_grid/presentation/Chat-GPT for data analysis.pptx
@@ -5773,7 +5773,7 @@
             <a:pPr rtl="0"/>
             <a:fld id="{EBE77BE8-C92C-4478-BEC0-BA685856F54D}" type="datetime1">
               <a:rPr lang="en-GB" smtClean="0"/>
-              <a:t>22/05/2023</a:t>
+              <a:t>23/05/2023</a:t>
             </a:fld>
             <a:endParaRPr lang="en-GB"/>
           </a:p>
@@ -5955,7 +5955,7 @@
             <a:pPr rtl="0"/>
             <a:fld id="{BF695629-D1D6-472E-AD8D-B841B09640C4}" type="datetime1">
               <a:rPr lang="en-GB" smtClean="0"/>
-              <a:t>22/05/2023</a:t>
+              <a:t>23/05/2023</a:t>
             </a:fld>
             <a:endParaRPr lang="en-GB"/>
           </a:p>
@@ -6323,7 +6323,7 @@
             <a:pPr rtl="0"/>
             <a:fld id="{1A5657D3-E8CC-402E-9DD0-BFC4FEBDA829}" type="datetime1">
               <a:rPr lang="en-GB" smtClean="0"/>
-              <a:t>22/05/2023</a:t>
+              <a:t>23/05/2023</a:t>
             </a:fld>
             <a:endParaRPr lang="en-GB"/>
           </a:p>
@@ -6439,7 +6439,7 @@
             <a:pPr rtl="0"/>
             <a:fld id="{8307B592-45D3-43FD-9CAB-CF71C4EA4E88}" type="datetime1">
               <a:rPr lang="en-GB" smtClean="0"/>
-              <a:t>22/05/2023</a:t>
+              <a:t>23/05/2023</a:t>
             </a:fld>
             <a:endParaRPr lang="en-GB"/>
           </a:p>
@@ -6555,7 +6555,7 @@
             <a:pPr rtl="0"/>
             <a:fld id="{8307B592-45D3-43FD-9CAB-CF71C4EA4E88}" type="datetime1">
               <a:rPr lang="en-GB" smtClean="0"/>
-              <a:t>22/05/2023</a:t>
+              <a:t>23/05/2023</a:t>
             </a:fld>
             <a:endParaRPr lang="en-GB"/>
           </a:p>
@@ -6671,7 +6671,7 @@
             <a:pPr rtl="0"/>
             <a:fld id="{7C383082-EA5C-4909-9BC1-11E6110F3D9A}" type="datetime1">
               <a:rPr lang="en-GB" smtClean="0"/>
-              <a:t>22/05/2023</a:t>
+              <a:t>23/05/2023</a:t>
             </a:fld>
             <a:endParaRPr lang="en-GB"/>
           </a:p>
@@ -23179,7 +23179,7 @@
       </p:sp>
       <p:pic>
         <p:nvPicPr>
-          <p:cNvPr id="10" name="Picture Placeholder 16" descr="A man smiling in the office">
+          <p:cNvPr id="10" name="Picture Placeholder 16">
             <a:extLst>
               <a:ext uri="{FF2B5EF4-FFF2-40B4-BE49-F238E27FC236}">
                 <a16:creationId xmlns:a16="http://schemas.microsoft.com/office/drawing/2014/main" id="{0DD297B5-8289-7224-3CFE-5946D63062C2}"/>
@@ -23191,21 +23191,15 @@
           </p:cNvPicPr>
           <p:nvPr/>
         </p:nvPicPr>
-        <p:blipFill rotWithShape="1">
-          <a:blip r:embed="rId4" cstate="screen">
-            <a:extLst>
-              <a:ext uri="{28A0092B-C50C-407E-A947-70E740481C1C}">
-                <a14:useLocalDpi xmlns:a14="http://schemas.microsoft.com/office/drawing/2010/main" val="0"/>
-              </a:ext>
-            </a:extLst>
-          </a:blip>
+        <p:blipFill>
+          <a:blip r:embed="rId6"/>
           <a:srcRect/>
           <a:stretch/>
         </p:blipFill>
         <p:spPr>
           <a:xfrm>
-            <a:off x="2470912" y="583910"/>
-            <a:ext cx="1691640" cy="1435608"/>
+            <a:off x="2598928" y="583910"/>
+            <a:ext cx="1435608" cy="1435608"/>
           </a:xfrm>
           <a:prstGeom prst="rect">
             <a:avLst/>
@@ -27593,6 +27587,25 @@
 </file>
 
 <file path=customXml/item1.xml><?xml version="1.0" encoding="utf-8"?>
+<p:properties xmlns:p="http://schemas.microsoft.com/office/2006/metadata/properties" xmlns:xsi="http://www.w3.org/2001/XMLSchema-instance" xmlns:pc="http://schemas.microsoft.com/office/infopath/2007/PartnerControls">
+  <documentManagement>
+    <_ip_UnifiedCompliancePolicyUIAction xmlns="http://schemas.microsoft.com/sharepoint/v3" xsi:nil="true"/>
+    <Image xmlns="71af3243-3dd4-4a8d-8c0d-dd76da1f02a5">
+      <Url xsi:nil="true"/>
+      <Description xsi:nil="true"/>
+    </Image>
+    <Status xmlns="71af3243-3dd4-4a8d-8c0d-dd76da1f02a5">Not started</Status>
+    <_ip_UnifiedCompliancePolicyProperties xmlns="http://schemas.microsoft.com/sharepoint/v3" xsi:nil="true"/>
+    <lcf76f155ced4ddcb4097134ff3c332f xmlns="71af3243-3dd4-4a8d-8c0d-dd76da1f02a5">
+      <Terms xmlns="http://schemas.microsoft.com/office/infopath/2007/PartnerControls"/>
+    </lcf76f155ced4ddcb4097134ff3c332f>
+    <TaxCatchAll xmlns="230e9df3-be65-4c73-a93b-d1236ebd677e"/>
+    <MediaServiceKeyPoints xmlns="71af3243-3dd4-4a8d-8c0d-dd76da1f02a5" xsi:nil="true"/>
+  </documentManagement>
+</p:properties>
+</file>
+
+<file path=customXml/item2.xml><?xml version="1.0" encoding="utf-8"?>
 <ct:contentTypeSchema xmlns:ct="http://schemas.microsoft.com/office/2006/metadata/contentType" xmlns:ma="http://schemas.microsoft.com/office/2006/metadata/properties/metaAttributes" ct:_="" ma:_="" ma:contentTypeName="Document" ma:contentTypeID="0x01010079F111ED35F8CC479449609E8A0923A6" ma:contentTypeVersion="18" ma:contentTypeDescription="Create a new document." ma:contentTypeScope="" ma:versionID="22a266b9fa9a230c5a512669d8b298c3">
   <xsd:schema xmlns:xsd="http://www.w3.org/2001/XMLSchema" xmlns:xs="http://www.w3.org/2001/XMLSchema" xmlns:p="http://schemas.microsoft.com/office/2006/metadata/properties" xmlns:ns1="http://schemas.microsoft.com/sharepoint/v3" xmlns:ns2="71af3243-3dd4-4a8d-8c0d-dd76da1f02a5" xmlns:ns3="16c05727-aa75-4e4a-9b5f-8a80a1165891" xmlns:ns4="230e9df3-be65-4c73-a93b-d1236ebd677e" targetNamespace="http://schemas.microsoft.com/office/2006/metadata/properties" ma:root="true" ma:fieldsID="eddc33fff6b14141ee5c74a0d29ea6a1" ns1:_="" ns2:_="" ns3:_="" ns4:_="">
     <xsd:import namespace="http://schemas.microsoft.com/sharepoint/v3"/>
@@ -27868,25 +27881,6 @@
 </ct:contentTypeSchema>
 </file>
 
-<file path=customXml/item2.xml><?xml version="1.0" encoding="utf-8"?>
-<p:properties xmlns:p="http://schemas.microsoft.com/office/2006/metadata/properties" xmlns:xsi="http://www.w3.org/2001/XMLSchema-instance" xmlns:pc="http://schemas.microsoft.com/office/infopath/2007/PartnerControls">
-  <documentManagement>
-    <_ip_UnifiedCompliancePolicyUIAction xmlns="http://schemas.microsoft.com/sharepoint/v3" xsi:nil="true"/>
-    <Image xmlns="71af3243-3dd4-4a8d-8c0d-dd76da1f02a5">
-      <Url xsi:nil="true"/>
-      <Description xsi:nil="true"/>
-    </Image>
-    <Status xmlns="71af3243-3dd4-4a8d-8c0d-dd76da1f02a5">Not started</Status>
-    <_ip_UnifiedCompliancePolicyProperties xmlns="http://schemas.microsoft.com/sharepoint/v3" xsi:nil="true"/>
-    <lcf76f155ced4ddcb4097134ff3c332f xmlns="71af3243-3dd4-4a8d-8c0d-dd76da1f02a5">
-      <Terms xmlns="http://schemas.microsoft.com/office/infopath/2007/PartnerControls"/>
-    </lcf76f155ced4ddcb4097134ff3c332f>
-    <TaxCatchAll xmlns="230e9df3-be65-4c73-a93b-d1236ebd677e"/>
-    <MediaServiceKeyPoints xmlns="71af3243-3dd4-4a8d-8c0d-dd76da1f02a5" xsi:nil="true"/>
-  </documentManagement>
-</p:properties>
-</file>
-
 <file path=customXml/item3.xml><?xml version="1.0" encoding="utf-8"?>
 <?mso-contentType ?>
 <FormTemplates xmlns="http://schemas.microsoft.com/sharepoint/v3/contenttype/forms">
@@ -27897,6 +27891,18 @@
 </file>
 
 <file path=customXml/itemProps1.xml><?xml version="1.0" encoding="utf-8"?>
+<ds:datastoreItem xmlns:ds="http://schemas.openxmlformats.org/officeDocument/2006/customXml" ds:itemID="{50811A92-D464-4AC4-A396-BA73B10CEEAC}">
+  <ds:schemaRefs>
+    <ds:schemaRef ds:uri="http://schemas.microsoft.com/office/2006/metadata/properties"/>
+    <ds:schemaRef ds:uri="http://schemas.microsoft.com/office/infopath/2007/PartnerControls"/>
+    <ds:schemaRef ds:uri="http://schemas.microsoft.com/sharepoint/v3"/>
+    <ds:schemaRef ds:uri="71af3243-3dd4-4a8d-8c0d-dd76da1f02a5"/>
+    <ds:schemaRef ds:uri="230e9df3-be65-4c73-a93b-d1236ebd677e"/>
+  </ds:schemaRefs>
+</ds:datastoreItem>
+</file>
+
+<file path=customXml/itemProps2.xml><?xml version="1.0" encoding="utf-8"?>
 <ds:datastoreItem xmlns:ds="http://schemas.openxmlformats.org/officeDocument/2006/customXml" ds:itemID="{DE4876F9-7AE1-498D-B8FE-1E3AD703D2AF}">
   <ds:schemaRefs>
     <ds:schemaRef ds:uri="http://schemas.microsoft.com/office/2006/metadata/contentType"/>
@@ -27917,18 +27923,6 @@
 </ds:datastoreItem>
 </file>
 
-<file path=customXml/itemProps2.xml><?xml version="1.0" encoding="utf-8"?>
-<ds:datastoreItem xmlns:ds="http://schemas.openxmlformats.org/officeDocument/2006/customXml" ds:itemID="{50811A92-D464-4AC4-A396-BA73B10CEEAC}">
-  <ds:schemaRefs>
-    <ds:schemaRef ds:uri="http://schemas.microsoft.com/office/2006/metadata/properties"/>
-    <ds:schemaRef ds:uri="http://schemas.microsoft.com/office/infopath/2007/PartnerControls"/>
-    <ds:schemaRef ds:uri="http://schemas.microsoft.com/sharepoint/v3"/>
-    <ds:schemaRef ds:uri="71af3243-3dd4-4a8d-8c0d-dd76da1f02a5"/>
-    <ds:schemaRef ds:uri="230e9df3-be65-4c73-a93b-d1236ebd677e"/>
-  </ds:schemaRefs>
-</ds:datastoreItem>
-</file>
-
 <file path=customXml/itemProps3.xml><?xml version="1.0" encoding="utf-8"?>
 <ds:datastoreItem xmlns:ds="http://schemas.openxmlformats.org/officeDocument/2006/customXml" ds:itemID="{904751AB-E840-446F-8D49-E697067EC887}">
   <ds:schemaRefs>
